--- a/Клиент-серверное приложение.pptx
+++ b/Клиент-серверное приложение.pptx
@@ -9,12 +9,14 @@
     <p:sldId id="257" r:id="rId3"/>
     <p:sldId id="258" r:id="rId4"/>
     <p:sldId id="259" r:id="rId5"/>
-    <p:sldId id="260" r:id="rId6"/>
-    <p:sldId id="261" r:id="rId7"/>
-    <p:sldId id="262" r:id="rId8"/>
-    <p:sldId id="263" r:id="rId9"/>
-    <p:sldId id="264" r:id="rId10"/>
-    <p:sldId id="265" r:id="rId11"/>
+    <p:sldId id="271" r:id="rId6"/>
+    <p:sldId id="270" r:id="rId7"/>
+    <p:sldId id="261" r:id="rId8"/>
+    <p:sldId id="262" r:id="rId9"/>
+    <p:sldId id="268" r:id="rId10"/>
+    <p:sldId id="264" r:id="rId11"/>
+    <p:sldId id="269" r:id="rId12"/>
+    <p:sldId id="266" r:id="rId13"/>
   </p:sldIdLst>
   <p:sldSz cx="12192000" cy="6858000"/>
   <p:notesSz cx="6858000" cy="9144000"/>
@@ -113,6 +115,11 @@
       </a:defRPr>
     </a:lvl9pPr>
   </p:defaultTextStyle>
+  <p:extLst>
+    <p:ext uri="{EFAFB233-063F-42B5-8137-9DF3F51BA10A}">
+      <p15:sldGuideLst xmlns:p15="http://schemas.microsoft.com/office/powerpoint/2012/main"/>
+    </p:ext>
+  </p:extLst>
 </p:presentation>
 </file>
 
@@ -247,7 +254,7 @@
           <a:p>
             <a:fld id="{C706FB9E-BD74-4B99-940C-303F917BFA05}" type="datetimeFigureOut">
               <a:rPr lang="ru-RU" smtClean="0"/>
-              <a:t>09.03.2021</a:t>
+              <a:t>10.03.2021</a:t>
             </a:fld>
             <a:endParaRPr lang="ru-RU"/>
           </a:p>
@@ -417,7 +424,7 @@
           <a:p>
             <a:fld id="{C706FB9E-BD74-4B99-940C-303F917BFA05}" type="datetimeFigureOut">
               <a:rPr lang="ru-RU" smtClean="0"/>
-              <a:t>09.03.2021</a:t>
+              <a:t>10.03.2021</a:t>
             </a:fld>
             <a:endParaRPr lang="ru-RU"/>
           </a:p>
@@ -597,7 +604,7 @@
           <a:p>
             <a:fld id="{C706FB9E-BD74-4B99-940C-303F917BFA05}" type="datetimeFigureOut">
               <a:rPr lang="ru-RU" smtClean="0"/>
-              <a:t>09.03.2021</a:t>
+              <a:t>10.03.2021</a:t>
             </a:fld>
             <a:endParaRPr lang="ru-RU"/>
           </a:p>
@@ -767,7 +774,7 @@
           <a:p>
             <a:fld id="{C706FB9E-BD74-4B99-940C-303F917BFA05}" type="datetimeFigureOut">
               <a:rPr lang="ru-RU" smtClean="0"/>
-              <a:t>09.03.2021</a:t>
+              <a:t>10.03.2021</a:t>
             </a:fld>
             <a:endParaRPr lang="ru-RU"/>
           </a:p>
@@ -1013,7 +1020,7 @@
           <a:p>
             <a:fld id="{C706FB9E-BD74-4B99-940C-303F917BFA05}" type="datetimeFigureOut">
               <a:rPr lang="ru-RU" smtClean="0"/>
-              <a:t>09.03.2021</a:t>
+              <a:t>10.03.2021</a:t>
             </a:fld>
             <a:endParaRPr lang="ru-RU"/>
           </a:p>
@@ -1245,7 +1252,7 @@
           <a:p>
             <a:fld id="{C706FB9E-BD74-4B99-940C-303F917BFA05}" type="datetimeFigureOut">
               <a:rPr lang="ru-RU" smtClean="0"/>
-              <a:t>09.03.2021</a:t>
+              <a:t>10.03.2021</a:t>
             </a:fld>
             <a:endParaRPr lang="ru-RU"/>
           </a:p>
@@ -1612,7 +1619,7 @@
           <a:p>
             <a:fld id="{C706FB9E-BD74-4B99-940C-303F917BFA05}" type="datetimeFigureOut">
               <a:rPr lang="ru-RU" smtClean="0"/>
-              <a:t>09.03.2021</a:t>
+              <a:t>10.03.2021</a:t>
             </a:fld>
             <a:endParaRPr lang="ru-RU"/>
           </a:p>
@@ -1730,7 +1737,7 @@
           <a:p>
             <a:fld id="{C706FB9E-BD74-4B99-940C-303F917BFA05}" type="datetimeFigureOut">
               <a:rPr lang="ru-RU" smtClean="0"/>
-              <a:t>09.03.2021</a:t>
+              <a:t>10.03.2021</a:t>
             </a:fld>
             <a:endParaRPr lang="ru-RU"/>
           </a:p>
@@ -1825,7 +1832,7 @@
           <a:p>
             <a:fld id="{C706FB9E-BD74-4B99-940C-303F917BFA05}" type="datetimeFigureOut">
               <a:rPr lang="ru-RU" smtClean="0"/>
-              <a:t>09.03.2021</a:t>
+              <a:t>10.03.2021</a:t>
             </a:fld>
             <a:endParaRPr lang="ru-RU"/>
           </a:p>
@@ -2102,7 +2109,7 @@
           <a:p>
             <a:fld id="{C706FB9E-BD74-4B99-940C-303F917BFA05}" type="datetimeFigureOut">
               <a:rPr lang="ru-RU" smtClean="0"/>
-              <a:t>09.03.2021</a:t>
+              <a:t>10.03.2021</a:t>
             </a:fld>
             <a:endParaRPr lang="ru-RU"/>
           </a:p>
@@ -2355,7 +2362,7 @@
           <a:p>
             <a:fld id="{C706FB9E-BD74-4B99-940C-303F917BFA05}" type="datetimeFigureOut">
               <a:rPr lang="ru-RU" smtClean="0"/>
-              <a:t>09.03.2021</a:t>
+              <a:t>10.03.2021</a:t>
             </a:fld>
             <a:endParaRPr lang="ru-RU"/>
           </a:p>
@@ -2568,7 +2575,7 @@
           <a:p>
             <a:fld id="{C706FB9E-BD74-4B99-940C-303F917BFA05}" type="datetimeFigureOut">
               <a:rPr lang="ru-RU" smtClean="0"/>
-              <a:t>09.03.2021</a:t>
+              <a:t>10.03.2021</a:t>
             </a:fld>
             <a:endParaRPr lang="ru-RU"/>
           </a:p>
@@ -3027,7 +3034,9 @@
           </a:xfrm>
         </p:spPr>
         <p:txBody>
-          <a:bodyPr/>
+          <a:bodyPr>
+            <a:normAutofit lnSpcReduction="10000"/>
+          </a:bodyPr>
           <a:lstStyle/>
           <a:p>
             <a:pPr algn="l">
@@ -3142,7 +3151,7 @@
       </p:grpSpPr>
       <p:sp>
         <p:nvSpPr>
-          <p:cNvPr id="2" name="Заголовок 1"/>
+          <p:cNvPr id="4" name="Заголовок 1"/>
           <p:cNvSpPr>
             <a:spLocks noGrp="1"/>
           </p:cNvSpPr>
@@ -3150,38 +3159,515 @@
             <p:ph type="title"/>
           </p:nvPr>
         </p:nvSpPr>
-        <p:spPr/>
-        <p:txBody>
-          <a:bodyPr/>
-          <a:lstStyle/>
-          <a:p>
-            <a:endParaRPr lang="ru-RU" dirty="0"/>
-          </a:p>
-        </p:txBody>
-      </p:sp>
-      <p:sp>
-        <p:nvSpPr>
-          <p:cNvPr id="3" name="Объект 2"/>
-          <p:cNvSpPr>
-            <a:spLocks noGrp="1"/>
-          </p:cNvSpPr>
-          <p:nvPr>
-            <p:ph idx="1"/>
-          </p:nvPr>
-        </p:nvSpPr>
-        <p:spPr/>
-        <p:txBody>
-          <a:bodyPr/>
-          <a:lstStyle/>
-          <a:p>
-            <a:endParaRPr lang="ru-RU"/>
-          </a:p>
-        </p:txBody>
-      </p:sp>
+        <p:spPr>
+          <a:xfrm>
+            <a:off x="838200" y="41814"/>
+            <a:ext cx="10515600" cy="597458"/>
+          </a:xfrm>
+        </p:spPr>
+        <p:txBody>
+          <a:bodyPr>
+            <a:normAutofit/>
+          </a:bodyPr>
+          <a:lstStyle/>
+          <a:p>
+            <a:pPr algn="ctr"/>
+            <a:r>
+              <a:rPr lang="en-US" sz="2800" dirty="0" smtClean="0"/>
+              <a:t>UML </a:t>
+            </a:r>
+            <a:r>
+              <a:rPr lang="ru-RU" sz="2800" dirty="0" smtClean="0"/>
+              <a:t>диаграмма классов управления серверами</a:t>
+            </a:r>
+            <a:endParaRPr lang="ru-RU" sz="2800" dirty="0"/>
+          </a:p>
+        </p:txBody>
+      </p:sp>
+      <p:pic>
+        <p:nvPicPr>
+          <p:cNvPr id="7" name="Рисунок 6"/>
+          <p:cNvPicPr>
+            <a:picLocks noChangeAspect="1"/>
+          </p:cNvPicPr>
+          <p:nvPr/>
+        </p:nvPicPr>
+        <p:blipFill>
+          <a:blip r:embed="rId2">
+            <a:extLst>
+              <a:ext uri="{28A0092B-C50C-407E-A947-70E740481C1C}">
+                <a14:useLocalDpi xmlns:a14="http://schemas.microsoft.com/office/drawing/2010/main" val="0"/>
+              </a:ext>
+            </a:extLst>
+          </a:blip>
+          <a:stretch>
+            <a:fillRect/>
+          </a:stretch>
+        </p:blipFill>
+        <p:spPr>
+          <a:xfrm>
+            <a:off x="761818" y="610506"/>
+            <a:ext cx="10668365" cy="6033055"/>
+          </a:xfrm>
+          <a:prstGeom prst="rect">
+            <a:avLst/>
+          </a:prstGeom>
+          <a:ln>
+            <a:solidFill>
+              <a:schemeClr val="bg1">
+                <a:lumMod val="75000"/>
+              </a:schemeClr>
+            </a:solidFill>
+          </a:ln>
+        </p:spPr>
+      </p:pic>
     </p:spTree>
     <p:extLst>
       <p:ext uri="{BB962C8B-B14F-4D97-AF65-F5344CB8AC3E}">
-        <p14:creationId xmlns:p14="http://schemas.microsoft.com/office/powerpoint/2010/main" val="2712900851"/>
+        <p14:creationId xmlns:p14="http://schemas.microsoft.com/office/powerpoint/2010/main" val="3549196600"/>
+      </p:ext>
+    </p:extLst>
+  </p:cSld>
+  <p:clrMapOvr>
+    <a:masterClrMapping/>
+  </p:clrMapOvr>
+  <p:timing>
+    <p:tnLst>
+      <p:par>
+        <p:cTn id="1" dur="indefinite" restart="never" nodeType="tmRoot"/>
+      </p:par>
+    </p:tnLst>
+  </p:timing>
+</p:sld>
+</file>
+
+<file path=ppt/slides/slide11.xml><?xml version="1.0" encoding="utf-8"?>
+<p:sld xmlns:a="http://schemas.openxmlformats.org/drawingml/2006/main" xmlns:r="http://schemas.openxmlformats.org/officeDocument/2006/relationships" xmlns:p="http://schemas.openxmlformats.org/presentationml/2006/main">
+  <p:cSld>
+    <p:spTree>
+      <p:nvGrpSpPr>
+        <p:cNvPr id="1" name=""/>
+        <p:cNvGrpSpPr/>
+        <p:nvPr/>
+      </p:nvGrpSpPr>
+      <p:grpSpPr>
+        <a:xfrm>
+          <a:off x="0" y="0"/>
+          <a:ext cx="0" cy="0"/>
+          <a:chOff x="0" y="0"/>
+          <a:chExt cx="0" cy="0"/>
+        </a:xfrm>
+      </p:grpSpPr>
+      <p:sp>
+        <p:nvSpPr>
+          <p:cNvPr id="3" name="Объект 2"/>
+          <p:cNvSpPr>
+            <a:spLocks noGrp="1"/>
+          </p:cNvSpPr>
+          <p:nvPr>
+            <p:ph idx="1"/>
+          </p:nvPr>
+        </p:nvSpPr>
+        <p:spPr/>
+        <p:txBody>
+          <a:bodyPr/>
+          <a:lstStyle/>
+          <a:p>
+            <a:pPr marL="0" indent="0" algn="just">
+              <a:buNone/>
+            </a:pPr>
+            <a:r>
+              <a:rPr lang="ru-RU" dirty="0" smtClean="0"/>
+              <a:t>Техническое </a:t>
+            </a:r>
+            <a:r>
+              <a:rPr lang="ru-RU" dirty="0" smtClean="0"/>
+              <a:t>задание декомпозировано на отдельные задачи.      Под наблюдением куратора были выполнены все поставленные задачи. Каждая задача фиксировалась количеством времени (человеко-часами): планированное и действительное. </a:t>
+            </a:r>
+          </a:p>
+        </p:txBody>
+      </p:sp>
+      <p:sp>
+        <p:nvSpPr>
+          <p:cNvPr id="4" name="Заголовок 1"/>
+          <p:cNvSpPr>
+            <a:spLocks noGrp="1"/>
+          </p:cNvSpPr>
+          <p:nvPr>
+            <p:ph type="title"/>
+          </p:nvPr>
+        </p:nvSpPr>
+        <p:spPr>
+          <a:xfrm>
+            <a:off x="838200" y="365125"/>
+            <a:ext cx="10515600" cy="1325563"/>
+          </a:xfrm>
+        </p:spPr>
+        <p:txBody>
+          <a:bodyPr>
+            <a:normAutofit/>
+          </a:bodyPr>
+          <a:lstStyle/>
+          <a:p>
+            <a:pPr algn="ctr"/>
+            <a:r>
+              <a:rPr lang="ru-RU" sz="4000" dirty="0" smtClean="0"/>
+              <a:t>Организация процесса реализации</a:t>
+            </a:r>
+            <a:endParaRPr lang="ru-RU" sz="4000" dirty="0"/>
+          </a:p>
+        </p:txBody>
+      </p:sp>
+    </p:spTree>
+    <p:extLst>
+      <p:ext uri="{BB962C8B-B14F-4D97-AF65-F5344CB8AC3E}">
+        <p14:creationId xmlns:p14="http://schemas.microsoft.com/office/powerpoint/2010/main" val="3631136540"/>
+      </p:ext>
+    </p:extLst>
+  </p:cSld>
+  <p:clrMapOvr>
+    <a:masterClrMapping/>
+  </p:clrMapOvr>
+  <p:timing>
+    <p:tnLst>
+      <p:par>
+        <p:cTn id="1" dur="indefinite" restart="never" nodeType="tmRoot"/>
+      </p:par>
+    </p:tnLst>
+  </p:timing>
+</p:sld>
+</file>
+
+<file path=ppt/slides/slide12.xml><?xml version="1.0" encoding="utf-8"?>
+<p:sld xmlns:a="http://schemas.openxmlformats.org/drawingml/2006/main" xmlns:r="http://schemas.openxmlformats.org/officeDocument/2006/relationships" xmlns:p="http://schemas.openxmlformats.org/presentationml/2006/main">
+  <p:cSld>
+    <p:spTree>
+      <p:nvGrpSpPr>
+        <p:cNvPr id="1" name=""/>
+        <p:cNvGrpSpPr/>
+        <p:nvPr/>
+      </p:nvGrpSpPr>
+      <p:grpSpPr>
+        <a:xfrm>
+          <a:off x="0" y="0"/>
+          <a:ext cx="0" cy="0"/>
+          <a:chOff x="0" y="0"/>
+          <a:chExt cx="0" cy="0"/>
+        </a:xfrm>
+      </p:grpSpPr>
+      <p:sp>
+        <p:nvSpPr>
+          <p:cNvPr id="4" name="Заголовок 1"/>
+          <p:cNvSpPr txBox="1">
+            <a:spLocks/>
+          </p:cNvSpPr>
+          <p:nvPr/>
+        </p:nvSpPr>
+        <p:spPr>
+          <a:xfrm>
+            <a:off x="838200" y="500062"/>
+            <a:ext cx="10515600" cy="1325563"/>
+          </a:xfrm>
+          <a:prstGeom prst="rect">
+            <a:avLst/>
+          </a:prstGeom>
+        </p:spPr>
+        <p:txBody>
+          <a:bodyPr vert="horz" lIns="91440" tIns="45720" rIns="91440" bIns="45720" rtlCol="0" anchor="b">
+            <a:normAutofit/>
+          </a:bodyPr>
+          <a:lstStyle>
+            <a:lvl1pPr algn="l" defTabSz="914400" rtl="0" eaLnBrk="1" latinLnBrk="0" hangingPunct="1">
+              <a:lnSpc>
+                <a:spcPct val="90000"/>
+              </a:lnSpc>
+              <a:spcBef>
+                <a:spcPct val="0"/>
+              </a:spcBef>
+              <a:buNone/>
+              <a:defRPr sz="4400" kern="1200">
+                <a:solidFill>
+                  <a:schemeClr val="tx1"/>
+                </a:solidFill>
+                <a:latin typeface="+mj-lt"/>
+                <a:ea typeface="+mj-ea"/>
+                <a:cs typeface="+mj-cs"/>
+              </a:defRPr>
+            </a:lvl1pPr>
+          </a:lstStyle>
+          <a:p>
+            <a:pPr algn="ctr"/>
+            <a:r>
+              <a:rPr lang="ru-RU" sz="3600" dirty="0" smtClean="0"/>
+              <a:t>Спасибо за внимание!</a:t>
+            </a:r>
+            <a:endParaRPr lang="ru-RU" sz="3600" dirty="0"/>
+          </a:p>
+        </p:txBody>
+      </p:sp>
+      <p:sp>
+        <p:nvSpPr>
+          <p:cNvPr id="6" name="Подзаголовок 2"/>
+          <p:cNvSpPr txBox="1">
+            <a:spLocks/>
+          </p:cNvSpPr>
+          <p:nvPr/>
+        </p:nvSpPr>
+        <p:spPr>
+          <a:xfrm>
+            <a:off x="722888" y="2841385"/>
+            <a:ext cx="9144000" cy="2232319"/>
+          </a:xfrm>
+          <a:prstGeom prst="rect">
+            <a:avLst/>
+          </a:prstGeom>
+        </p:spPr>
+        <p:txBody>
+          <a:bodyPr vert="horz" lIns="91440" tIns="45720" rIns="91440" bIns="45720" rtlCol="0">
+            <a:normAutofit fontScale="92500" lnSpcReduction="20000"/>
+          </a:bodyPr>
+          <a:lstStyle>
+            <a:lvl1pPr marL="228600" indent="-228600" algn="l" defTabSz="914400" rtl="0" eaLnBrk="1" latinLnBrk="0" hangingPunct="1">
+              <a:lnSpc>
+                <a:spcPct val="90000"/>
+              </a:lnSpc>
+              <a:spcBef>
+                <a:spcPts val="1000"/>
+              </a:spcBef>
+              <a:buFont typeface="Arial" panose="020B0604020202020204" pitchFamily="34" charset="0"/>
+              <a:buChar char="•"/>
+              <a:defRPr sz="2800" kern="1200">
+                <a:solidFill>
+                  <a:schemeClr val="tx1"/>
+                </a:solidFill>
+                <a:latin typeface="+mn-lt"/>
+                <a:ea typeface="+mn-ea"/>
+                <a:cs typeface="+mn-cs"/>
+              </a:defRPr>
+            </a:lvl1pPr>
+            <a:lvl2pPr marL="685800" indent="-228600" algn="l" defTabSz="914400" rtl="0" eaLnBrk="1" latinLnBrk="0" hangingPunct="1">
+              <a:lnSpc>
+                <a:spcPct val="90000"/>
+              </a:lnSpc>
+              <a:spcBef>
+                <a:spcPts val="500"/>
+              </a:spcBef>
+              <a:buFont typeface="Arial" panose="020B0604020202020204" pitchFamily="34" charset="0"/>
+              <a:buChar char="•"/>
+              <a:defRPr sz="2400" kern="1200">
+                <a:solidFill>
+                  <a:schemeClr val="tx1"/>
+                </a:solidFill>
+                <a:latin typeface="+mn-lt"/>
+                <a:ea typeface="+mn-ea"/>
+                <a:cs typeface="+mn-cs"/>
+              </a:defRPr>
+            </a:lvl2pPr>
+            <a:lvl3pPr marL="1143000" indent="-228600" algn="l" defTabSz="914400" rtl="0" eaLnBrk="1" latinLnBrk="0" hangingPunct="1">
+              <a:lnSpc>
+                <a:spcPct val="90000"/>
+              </a:lnSpc>
+              <a:spcBef>
+                <a:spcPts val="500"/>
+              </a:spcBef>
+              <a:buFont typeface="Arial" panose="020B0604020202020204" pitchFamily="34" charset="0"/>
+              <a:buChar char="•"/>
+              <a:defRPr sz="2000" kern="1200">
+                <a:solidFill>
+                  <a:schemeClr val="tx1"/>
+                </a:solidFill>
+                <a:latin typeface="+mn-lt"/>
+                <a:ea typeface="+mn-ea"/>
+                <a:cs typeface="+mn-cs"/>
+              </a:defRPr>
+            </a:lvl3pPr>
+            <a:lvl4pPr marL="1600200" indent="-228600" algn="l" defTabSz="914400" rtl="0" eaLnBrk="1" latinLnBrk="0" hangingPunct="1">
+              <a:lnSpc>
+                <a:spcPct val="90000"/>
+              </a:lnSpc>
+              <a:spcBef>
+                <a:spcPts val="500"/>
+              </a:spcBef>
+              <a:buFont typeface="Arial" panose="020B0604020202020204" pitchFamily="34" charset="0"/>
+              <a:buChar char="•"/>
+              <a:defRPr sz="1800" kern="1200">
+                <a:solidFill>
+                  <a:schemeClr val="tx1"/>
+                </a:solidFill>
+                <a:latin typeface="+mn-lt"/>
+                <a:ea typeface="+mn-ea"/>
+                <a:cs typeface="+mn-cs"/>
+              </a:defRPr>
+            </a:lvl4pPr>
+            <a:lvl5pPr marL="2057400" indent="-228600" algn="l" defTabSz="914400" rtl="0" eaLnBrk="1" latinLnBrk="0" hangingPunct="1">
+              <a:lnSpc>
+                <a:spcPct val="90000"/>
+              </a:lnSpc>
+              <a:spcBef>
+                <a:spcPts val="500"/>
+              </a:spcBef>
+              <a:buFont typeface="Arial" panose="020B0604020202020204" pitchFamily="34" charset="0"/>
+              <a:buChar char="•"/>
+              <a:defRPr sz="1800" kern="1200">
+                <a:solidFill>
+                  <a:schemeClr val="tx1"/>
+                </a:solidFill>
+                <a:latin typeface="+mn-lt"/>
+                <a:ea typeface="+mn-ea"/>
+                <a:cs typeface="+mn-cs"/>
+              </a:defRPr>
+            </a:lvl5pPr>
+            <a:lvl6pPr marL="2514600" indent="-228600" algn="l" defTabSz="914400" rtl="0" eaLnBrk="1" latinLnBrk="0" hangingPunct="1">
+              <a:lnSpc>
+                <a:spcPct val="90000"/>
+              </a:lnSpc>
+              <a:spcBef>
+                <a:spcPts val="500"/>
+              </a:spcBef>
+              <a:buFont typeface="Arial" panose="020B0604020202020204" pitchFamily="34" charset="0"/>
+              <a:buChar char="•"/>
+              <a:defRPr sz="1800" kern="1200">
+                <a:solidFill>
+                  <a:schemeClr val="tx1"/>
+                </a:solidFill>
+                <a:latin typeface="+mn-lt"/>
+                <a:ea typeface="+mn-ea"/>
+                <a:cs typeface="+mn-cs"/>
+              </a:defRPr>
+            </a:lvl6pPr>
+            <a:lvl7pPr marL="2971800" indent="-228600" algn="l" defTabSz="914400" rtl="0" eaLnBrk="1" latinLnBrk="0" hangingPunct="1">
+              <a:lnSpc>
+                <a:spcPct val="90000"/>
+              </a:lnSpc>
+              <a:spcBef>
+                <a:spcPts val="500"/>
+              </a:spcBef>
+              <a:buFont typeface="Arial" panose="020B0604020202020204" pitchFamily="34" charset="0"/>
+              <a:buChar char="•"/>
+              <a:defRPr sz="1800" kern="1200">
+                <a:solidFill>
+                  <a:schemeClr val="tx1"/>
+                </a:solidFill>
+                <a:latin typeface="+mn-lt"/>
+                <a:ea typeface="+mn-ea"/>
+                <a:cs typeface="+mn-cs"/>
+              </a:defRPr>
+            </a:lvl7pPr>
+            <a:lvl8pPr marL="3429000" indent="-228600" algn="l" defTabSz="914400" rtl="0" eaLnBrk="1" latinLnBrk="0" hangingPunct="1">
+              <a:lnSpc>
+                <a:spcPct val="90000"/>
+              </a:lnSpc>
+              <a:spcBef>
+                <a:spcPts val="500"/>
+              </a:spcBef>
+              <a:buFont typeface="Arial" panose="020B0604020202020204" pitchFamily="34" charset="0"/>
+              <a:buChar char="•"/>
+              <a:defRPr sz="1800" kern="1200">
+                <a:solidFill>
+                  <a:schemeClr val="tx1"/>
+                </a:solidFill>
+                <a:latin typeface="+mn-lt"/>
+                <a:ea typeface="+mn-ea"/>
+                <a:cs typeface="+mn-cs"/>
+              </a:defRPr>
+            </a:lvl8pPr>
+            <a:lvl9pPr marL="3886200" indent="-228600" algn="l" defTabSz="914400" rtl="0" eaLnBrk="1" latinLnBrk="0" hangingPunct="1">
+              <a:lnSpc>
+                <a:spcPct val="90000"/>
+              </a:lnSpc>
+              <a:spcBef>
+                <a:spcPts val="500"/>
+              </a:spcBef>
+              <a:buFont typeface="Arial" panose="020B0604020202020204" pitchFamily="34" charset="0"/>
+              <a:buChar char="•"/>
+              <a:defRPr sz="1800" kern="1200">
+                <a:solidFill>
+                  <a:schemeClr val="tx1"/>
+                </a:solidFill>
+                <a:latin typeface="+mn-lt"/>
+                <a:ea typeface="+mn-ea"/>
+                <a:cs typeface="+mn-cs"/>
+              </a:defRPr>
+            </a:lvl9pPr>
+          </a:lstStyle>
+          <a:p>
+            <a:pPr>
+              <a:lnSpc>
+                <a:spcPct val="150000"/>
+              </a:lnSpc>
+            </a:pPr>
+            <a:r>
+              <a:rPr lang="ru-RU" smtClean="0">
+                <a:solidFill>
+                  <a:schemeClr val="tx1">
+                    <a:lumMod val="50000"/>
+                    <a:lumOff val="50000"/>
+                  </a:schemeClr>
+                </a:solidFill>
+              </a:rPr>
+              <a:t>Разработал:</a:t>
+            </a:r>
+            <a:br>
+              <a:rPr lang="ru-RU" smtClean="0">
+                <a:solidFill>
+                  <a:schemeClr val="tx1">
+                    <a:lumMod val="50000"/>
+                    <a:lumOff val="50000"/>
+                  </a:schemeClr>
+                </a:solidFill>
+              </a:rPr>
+            </a:br>
+            <a:r>
+              <a:rPr lang="ru-RU" smtClean="0">
+                <a:solidFill>
+                  <a:schemeClr val="tx1">
+                    <a:lumMod val="50000"/>
+                    <a:lumOff val="50000"/>
+                  </a:schemeClr>
+                </a:solidFill>
+              </a:rPr>
+              <a:t>Стажер инженер-программист</a:t>
+            </a:r>
+            <a:br>
+              <a:rPr lang="ru-RU" smtClean="0">
+                <a:solidFill>
+                  <a:schemeClr val="tx1">
+                    <a:lumMod val="50000"/>
+                    <a:lumOff val="50000"/>
+                  </a:schemeClr>
+                </a:solidFill>
+              </a:rPr>
+            </a:br>
+            <a:r>
+              <a:rPr lang="ru-RU" smtClean="0">
+                <a:solidFill>
+                  <a:schemeClr val="tx1">
+                    <a:lumMod val="50000"/>
+                    <a:lumOff val="50000"/>
+                  </a:schemeClr>
+                </a:solidFill>
+              </a:rPr>
+              <a:t>отдела серверной разработки</a:t>
+            </a:r>
+            <a:r>
+              <a:rPr lang="ru-RU" smtClean="0"/>
+              <a:t/>
+            </a:r>
+            <a:br>
+              <a:rPr lang="ru-RU" smtClean="0"/>
+            </a:br>
+            <a:r>
+              <a:rPr lang="ru-RU" smtClean="0"/>
+              <a:t>Беляев Егор Евгеньевич</a:t>
+            </a:r>
+            <a:endParaRPr lang="ru-RU" dirty="0"/>
+          </a:p>
+        </p:txBody>
+      </p:sp>
+    </p:spTree>
+    <p:extLst>
+      <p:ext uri="{BB962C8B-B14F-4D97-AF65-F5344CB8AC3E}">
+        <p14:creationId xmlns:p14="http://schemas.microsoft.com/office/powerpoint/2010/main" val="1722176128"/>
       </p:ext>
     </p:extLst>
   </p:cSld>
@@ -3227,15 +3713,17 @@
         </p:nvSpPr>
         <p:spPr/>
         <p:txBody>
-          <a:bodyPr/>
+          <a:bodyPr>
+            <a:normAutofit/>
+          </a:bodyPr>
           <a:lstStyle/>
           <a:p>
             <a:pPr algn="ctr"/>
             <a:r>
-              <a:rPr lang="ru-RU" dirty="0" smtClean="0"/>
+              <a:rPr lang="ru-RU" sz="4000" dirty="0" smtClean="0"/>
               <a:t>Цель и задачи</a:t>
             </a:r>
-            <a:endParaRPr lang="ru-RU" dirty="0"/>
+            <a:endParaRPr lang="ru-RU" sz="4000" dirty="0"/>
           </a:p>
         </p:txBody>
       </p:sp>
@@ -3249,143 +3737,58 @@
             <p:ph idx="1"/>
           </p:nvPr>
         </p:nvSpPr>
-        <p:spPr/>
-        <p:txBody>
-          <a:bodyPr/>
-          <a:lstStyle/>
-          <a:p>
-            <a:r>
-              <a:rPr lang="ru-RU" dirty="0" smtClean="0"/>
-              <a:t>Цель: разработать клиент-серверное приложение по обмену текстовых сообщений при соблюдении норм ТЗ.</a:t>
-            </a:r>
-          </a:p>
-          <a:p>
-            <a:r>
-              <a:rPr lang="ru-RU" dirty="0" smtClean="0"/>
-              <a:t>Основные задачи ТЗ:</a:t>
-            </a:r>
-          </a:p>
-          <a:p>
-            <a:pPr lvl="1"/>
-            <a:r>
-              <a:rPr lang="ru-RU" dirty="0" smtClean="0"/>
-              <a:t>Клиент реализован на </a:t>
-            </a:r>
-            <a:r>
-              <a:rPr lang="en-US" dirty="0" smtClean="0"/>
-              <a:t>WPF</a:t>
-            </a:r>
-            <a:r>
-              <a:rPr lang="ru-RU" dirty="0" smtClean="0"/>
-              <a:t>с поддержкой </a:t>
-            </a:r>
-            <a:r>
-              <a:rPr lang="en-US" dirty="0" smtClean="0"/>
-              <a:t>MVVM</a:t>
-            </a:r>
-            <a:r>
-              <a:rPr lang="ru-RU" dirty="0" smtClean="0"/>
-              <a:t>;</a:t>
-            </a:r>
-          </a:p>
-          <a:p>
-            <a:pPr lvl="1"/>
-            <a:r>
-              <a:rPr lang="ru-RU" dirty="0" smtClean="0"/>
-              <a:t>Обмен осуществляется по протоколам </a:t>
-            </a:r>
-            <a:r>
-              <a:rPr lang="en-US" dirty="0" smtClean="0"/>
-              <a:t>Web</a:t>
-            </a:r>
-            <a:r>
-              <a:rPr lang="ru-RU" dirty="0" smtClean="0"/>
+        <p:spPr>
+          <a:xfrm>
+            <a:off x="838200" y="1440382"/>
+            <a:ext cx="10515600" cy="4631384"/>
+          </a:xfrm>
+        </p:spPr>
+        <p:txBody>
+          <a:bodyPr>
+            <a:normAutofit/>
+          </a:bodyPr>
+          <a:lstStyle/>
+          <a:p>
+            <a:pPr algn="just"/>
+            <a:r>
+              <a:rPr lang="ru-RU" sz="2000" dirty="0" smtClean="0"/>
+              <a:t>Разработать клиент-серверное приложение обеспечивающее передачу текстовых </a:t>
+            </a:r>
+            <a:r>
+              <a:rPr lang="en-US" sz="2000" dirty="0" smtClean="0"/>
               <a:t> </a:t>
             </a:r>
             <a:r>
-              <a:rPr lang="en-US" dirty="0" smtClean="0"/>
-              <a:t>Socket</a:t>
-            </a:r>
-            <a:r>
-              <a:rPr lang="ru-RU" dirty="0" smtClean="0"/>
-              <a:t>;</a:t>
-            </a:r>
-          </a:p>
-          <a:p>
-            <a:pPr lvl="1"/>
-            <a:r>
-              <a:rPr lang="ru-RU" dirty="0" smtClean="0"/>
-              <a:t>Сервер запускается двумя способами: </a:t>
-            </a:r>
-            <a:r>
-              <a:rPr lang="ru-RU" dirty="0"/>
-              <a:t>сервис или </a:t>
-            </a:r>
-            <a:r>
-              <a:rPr lang="en-US" dirty="0"/>
-              <a:t>desktop </a:t>
-            </a:r>
-            <a:r>
-              <a:rPr lang="ru-RU" dirty="0" smtClean="0"/>
-              <a:t>приложение;</a:t>
-            </a:r>
-          </a:p>
-          <a:p>
-            <a:pPr lvl="1"/>
-            <a:r>
-              <a:rPr lang="ru-RU" dirty="0" smtClean="0"/>
-              <a:t>Данные клиентов хранятся в базе данных </a:t>
-            </a:r>
-            <a:r>
-              <a:rPr lang="en-US" dirty="0" smtClean="0"/>
-              <a:t>MS</a:t>
-            </a:r>
-            <a:r>
-              <a:rPr lang="ru-RU" dirty="0" smtClean="0"/>
-              <a:t> </a:t>
-            </a:r>
-            <a:r>
-              <a:rPr lang="en-US" dirty="0" err="1" smtClean="0"/>
-              <a:t>Sql</a:t>
-            </a:r>
-            <a:r>
-              <a:rPr lang="ru-RU" dirty="0" smtClean="0"/>
-              <a:t>;</a:t>
-            </a:r>
-          </a:p>
-          <a:p>
-            <a:pPr lvl="1"/>
-            <a:r>
-              <a:rPr lang="ru-RU" dirty="0" smtClean="0"/>
-              <a:t>Запись и чтение данных осуществляется с помощью </a:t>
-            </a:r>
-            <a:r>
-              <a:rPr lang="en-US" dirty="0" smtClean="0"/>
-              <a:t>Entity</a:t>
-            </a:r>
-            <a:r>
-              <a:rPr lang="ru-RU" dirty="0" smtClean="0"/>
-              <a:t> </a:t>
-            </a:r>
-            <a:r>
-              <a:rPr lang="en-US" dirty="0" smtClean="0"/>
-              <a:t>Framework</a:t>
-            </a:r>
-            <a:r>
-              <a:rPr lang="ru-RU" dirty="0" smtClean="0"/>
-              <a:t>;</a:t>
-            </a:r>
-          </a:p>
-          <a:p>
-            <a:pPr lvl="1"/>
-            <a:r>
-              <a:rPr lang="ru-RU" dirty="0" smtClean="0"/>
-              <a:t>Конфигурация запуска сервера хранится на отдельном файле.</a:t>
-            </a:r>
-            <a:endParaRPr lang="ru-RU" dirty="0"/>
-          </a:p>
-        </p:txBody>
-      </p:sp>
+              <a:rPr lang="ru-RU" sz="2000" dirty="0" smtClean="0"/>
+              <a:t>сообщений при соблюдении норм ТЗ.</a:t>
+            </a:r>
+          </a:p>
+        </p:txBody>
+      </p:sp>
+      <p:pic>
+        <p:nvPicPr>
+          <p:cNvPr id="5" name="Рисунок 4"/>
+          <p:cNvPicPr>
+            <a:picLocks noChangeAspect="1"/>
+          </p:cNvPicPr>
+          <p:nvPr/>
+        </p:nvPicPr>
+        <p:blipFill>
+          <a:blip r:embed="rId2"/>
+          <a:stretch>
+            <a:fillRect/>
+          </a:stretch>
+        </p:blipFill>
+        <p:spPr>
+          <a:xfrm>
+            <a:off x="2352675" y="2169087"/>
+            <a:ext cx="7486650" cy="4219575"/>
+          </a:xfrm>
+          <a:prstGeom prst="rect">
+            <a:avLst/>
+          </a:prstGeom>
+        </p:spPr>
+      </p:pic>
     </p:spTree>
     <p:extLst>
       <p:ext uri="{BB962C8B-B14F-4D97-AF65-F5344CB8AC3E}">
@@ -3435,15 +3838,17 @@
         </p:nvSpPr>
         <p:spPr/>
         <p:txBody>
-          <a:bodyPr/>
+          <a:bodyPr>
+            <a:normAutofit/>
+          </a:bodyPr>
           <a:lstStyle/>
           <a:p>
             <a:pPr algn="ctr"/>
             <a:r>
-              <a:rPr lang="ru-RU" dirty="0" smtClean="0"/>
+              <a:rPr lang="ru-RU" sz="4000" dirty="0" smtClean="0"/>
               <a:t>Диаграмма компонентов проекта</a:t>
             </a:r>
-            <a:endParaRPr lang="ru-RU" dirty="0"/>
+            <a:endParaRPr lang="ru-RU" sz="4000" dirty="0"/>
           </a:p>
         </p:txBody>
       </p:sp>
@@ -3533,8 +3938,8 @@
         </p:nvSpPr>
         <p:spPr>
           <a:xfrm>
-            <a:off x="838200" y="996304"/>
-            <a:ext cx="10515600" cy="1325563"/>
+            <a:off x="722549" y="106180"/>
+            <a:ext cx="10746897" cy="1325563"/>
           </a:xfrm>
         </p:spPr>
         <p:txBody>
@@ -3545,31 +3950,55 @@
           <a:p>
             <a:pPr algn="ctr"/>
             <a:r>
-              <a:rPr lang="ru-RU" sz="3600" dirty="0" smtClean="0"/>
+              <a:rPr lang="ru-RU" sz="2400" dirty="0" smtClean="0"/>
               <a:t>Шаблон проектирования архитектуры приложения</a:t>
             </a:r>
+            <a:r>
+              <a:rPr lang="en-US" sz="2400" dirty="0" smtClean="0"/>
+              <a:t> </a:t>
+            </a:r>
+            <a:r>
+              <a:rPr lang="ru-RU" sz="2400" dirty="0" smtClean="0"/>
+              <a:t>«</a:t>
+            </a:r>
+            <a:r>
+              <a:rPr lang="en-US" sz="2400" dirty="0" smtClean="0"/>
+              <a:t>MVVM</a:t>
+            </a:r>
+            <a:r>
+              <a:rPr lang="ru-RU" sz="2400" dirty="0" smtClean="0"/>
+              <a:t>»</a:t>
+            </a:r>
+            <a:r>
+              <a:rPr lang="en-US" sz="2400" dirty="0" smtClean="0"/>
+              <a:t/>
+            </a:r>
             <a:br>
-              <a:rPr lang="ru-RU" sz="3600" dirty="0" smtClean="0"/>
+              <a:rPr lang="en-US" sz="2400" dirty="0" smtClean="0"/>
             </a:br>
             <a:r>
-              <a:rPr lang="ru-RU" sz="3600" dirty="0" smtClean="0"/>
-              <a:t>«</a:t>
-            </a:r>
-            <a:r>
-              <a:rPr lang="en-US" sz="3600" dirty="0" smtClean="0"/>
-              <a:t>MVVM</a:t>
-            </a:r>
-            <a:r>
-              <a:rPr lang="ru-RU" sz="3600" dirty="0" smtClean="0"/>
+              <a:rPr lang="ru-RU" sz="2400" dirty="0" smtClean="0"/>
+              <a:t>совместно </a:t>
+            </a:r>
+            <a:r>
+              <a:rPr lang="ru-RU" sz="2400" dirty="0" smtClean="0"/>
+              <a:t>с библиотекой «</a:t>
+            </a:r>
+            <a:r>
+              <a:rPr lang="en-US" sz="2400" dirty="0" smtClean="0"/>
+              <a:t>Prism</a:t>
+            </a:r>
+            <a:r>
+              <a:rPr lang="ru-RU" sz="2400" dirty="0" smtClean="0"/>
               <a:t>»</a:t>
             </a:r>
-            <a:endParaRPr lang="ru-RU" sz="3600" dirty="0"/>
+            <a:endParaRPr lang="ru-RU" sz="2400" dirty="0"/>
           </a:p>
         </p:txBody>
       </p:sp>
       <p:pic>
         <p:nvPicPr>
-          <p:cNvPr id="1026" name="Picture 2" descr="Руководство разработчика Prism — часть 5, реализация паттерна MVVM / Хабр"/>
+          <p:cNvPr id="2050" name="Picture 2" descr="Руководство разработчика Prism — часть 5, реализация паттерна MVVM / Хабр"/>
           <p:cNvPicPr>
             <a:picLocks noChangeAspect="1" noChangeArrowheads="1"/>
           </p:cNvPicPr>
@@ -3590,20 +4019,54 @@
         </p:blipFill>
         <p:spPr bwMode="auto">
           <a:xfrm>
-            <a:off x="3238500" y="2833561"/>
-            <a:ext cx="5715000" cy="1676400"/>
+            <a:off x="1236752" y="2375454"/>
+            <a:ext cx="9718490" cy="2850757"/>
           </a:xfrm>
           <a:prstGeom prst="rect">
             <a:avLst/>
           </a:prstGeom>
           <a:noFill/>
-          <a:ln>
-            <a:solidFill>
-              <a:schemeClr val="bg1">
-                <a:lumMod val="85000"/>
-              </a:schemeClr>
-            </a:solidFill>
-          </a:ln>
+          <a:extLst>
+            <a:ext uri="{909E8E84-426E-40DD-AFC4-6F175D3DCCD1}">
+              <a14:hiddenFill xmlns:a14="http://schemas.microsoft.com/office/drawing/2010/main">
+                <a:solidFill>
+                  <a:srgbClr val="FFFFFF"/>
+                </a:solidFill>
+              </a14:hiddenFill>
+            </a:ext>
+          </a:extLst>
+        </p:spPr>
+      </p:pic>
+      <p:pic>
+        <p:nvPicPr>
+          <p:cNvPr id="2052" name="Picture 4" descr="Prism · GitHub"/>
+          <p:cNvPicPr>
+            <a:picLocks noChangeAspect="1" noChangeArrowheads="1"/>
+          </p:cNvPicPr>
+          <p:nvPr/>
+        </p:nvPicPr>
+        <p:blipFill>
+          <a:blip r:embed="rId3" cstate="print">
+            <a:extLst>
+              <a:ext uri="{28A0092B-C50C-407E-A947-70E740481C1C}">
+                <a14:useLocalDpi xmlns:a14="http://schemas.microsoft.com/office/drawing/2010/main" val="0"/>
+              </a:ext>
+            </a:extLst>
+          </a:blip>
+          <a:srcRect/>
+          <a:stretch>
+            <a:fillRect/>
+          </a:stretch>
+        </p:blipFill>
+        <p:spPr bwMode="auto">
+          <a:xfrm>
+            <a:off x="2607461" y="2726032"/>
+            <a:ext cx="365125" cy="365125"/>
+          </a:xfrm>
+          <a:prstGeom prst="rect">
+            <a:avLst/>
+          </a:prstGeom>
+          <a:noFill/>
           <a:extLst>
             <a:ext uri="{909E8E84-426E-40DD-AFC4-6F175D3DCCD1}">
               <a14:hiddenFill xmlns:a14="http://schemas.microsoft.com/office/drawing/2010/main">
@@ -3654,7 +4117,7 @@
       </p:grpSpPr>
       <p:sp>
         <p:nvSpPr>
-          <p:cNvPr id="2" name="Заголовок 1"/>
+          <p:cNvPr id="5" name="Заголовок 1"/>
           <p:cNvSpPr>
             <a:spLocks noGrp="1"/>
           </p:cNvSpPr>
@@ -3664,7 +4127,7 @@
         </p:nvSpPr>
         <p:spPr>
           <a:xfrm>
-            <a:off x="838200" y="11966"/>
+            <a:off x="838200" y="365125"/>
             <a:ext cx="10515600" cy="1325563"/>
           </a:xfrm>
         </p:spPr>
@@ -3675,80 +4138,15 @@
             <a:pPr algn="ctr"/>
             <a:r>
               <a:rPr lang="ru-RU" dirty="0" smtClean="0"/>
-              <a:t>Решение «</a:t>
-            </a:r>
-            <a:r>
-              <a:rPr lang="en-US" dirty="0" smtClean="0"/>
-              <a:t>Prism</a:t>
-            </a:r>
-            <a:r>
-              <a:rPr lang="ru-RU" dirty="0" smtClean="0"/>
-              <a:t>»</a:t>
+              <a:t>Макет программы</a:t>
             </a:r>
             <a:endParaRPr lang="ru-RU" dirty="0"/>
-          </a:p>
-        </p:txBody>
-      </p:sp>
-      <p:sp>
-        <p:nvSpPr>
-          <p:cNvPr id="3" name="Объект 2"/>
-          <p:cNvSpPr>
-            <a:spLocks noGrp="1"/>
-          </p:cNvSpPr>
-          <p:nvPr>
-            <p:ph idx="1"/>
-          </p:nvPr>
-        </p:nvSpPr>
-        <p:spPr>
-          <a:xfrm>
-            <a:off x="838200" y="1337529"/>
-            <a:ext cx="10515600" cy="4351338"/>
-          </a:xfrm>
-        </p:spPr>
-        <p:txBody>
-          <a:bodyPr/>
-          <a:lstStyle/>
-          <a:p>
-            <a:r>
-              <a:rPr lang="ru-RU" dirty="0" smtClean="0"/>
-              <a:t>Разделенная логика разработки:</a:t>
-            </a:r>
-          </a:p>
-          <a:p>
-            <a:pPr marL="0" indent="0">
-              <a:buNone/>
-            </a:pPr>
-            <a:endParaRPr lang="ru-RU" dirty="0" smtClean="0"/>
-          </a:p>
-          <a:p>
-            <a:r>
-              <a:rPr lang="ru-RU" dirty="0" smtClean="0"/>
-              <a:t>Необходимые элементы:</a:t>
-            </a:r>
-          </a:p>
-          <a:p>
-            <a:endParaRPr lang="ru-RU" dirty="0"/>
-          </a:p>
-          <a:p>
-            <a:endParaRPr lang="ru-RU" dirty="0" smtClean="0"/>
-          </a:p>
-          <a:p>
-            <a:endParaRPr lang="ru-RU" dirty="0" smtClean="0"/>
-          </a:p>
-          <a:p>
-            <a:endParaRPr lang="ru-RU" dirty="0"/>
-          </a:p>
-          <a:p>
-            <a:r>
-              <a:rPr lang="ru-RU" dirty="0" smtClean="0"/>
-              <a:t>Результат:</a:t>
-            </a:r>
           </a:p>
         </p:txBody>
       </p:sp>
       <p:pic>
         <p:nvPicPr>
-          <p:cNvPr id="4" name="Рисунок 3"/>
+          <p:cNvPr id="10" name="Рисунок 9"/>
           <p:cNvPicPr>
             <a:picLocks noChangeAspect="1"/>
           </p:cNvPicPr>
@@ -3762,8 +4160,8 @@
         </p:blipFill>
         <p:spPr>
           <a:xfrm>
-            <a:off x="6318783" y="1337529"/>
-            <a:ext cx="1685925" cy="704850"/>
+            <a:off x="6255868" y="1690688"/>
+            <a:ext cx="5605728" cy="4095117"/>
           </a:xfrm>
           <a:prstGeom prst="rect">
             <a:avLst/>
@@ -3771,7 +4169,7 @@
           <a:ln>
             <a:solidFill>
               <a:schemeClr val="bg1">
-                <a:lumMod val="85000"/>
+                <a:lumMod val="75000"/>
               </a:schemeClr>
             </a:solidFill>
           </a:ln>
@@ -3779,7 +4177,7 @@
       </p:pic>
       <p:pic>
         <p:nvPicPr>
-          <p:cNvPr id="6" name="Рисунок 5"/>
+          <p:cNvPr id="11" name="Рисунок 10"/>
           <p:cNvPicPr>
             <a:picLocks noChangeAspect="1"/>
           </p:cNvPicPr>
@@ -3793,8 +4191,8 @@
         </p:blipFill>
         <p:spPr>
           <a:xfrm>
-            <a:off x="6318783" y="2430404"/>
-            <a:ext cx="4762500" cy="314325"/>
+            <a:off x="310173" y="1690688"/>
+            <a:ext cx="5625399" cy="4095117"/>
           </a:xfrm>
           <a:prstGeom prst="rect">
             <a:avLst/>
@@ -3802,10 +4200,311 @@
           <a:ln>
             <a:solidFill>
               <a:schemeClr val="bg1">
-                <a:lumMod val="85000"/>
+                <a:lumMod val="75000"/>
               </a:schemeClr>
             </a:solidFill>
           </a:ln>
+        </p:spPr>
+      </p:pic>
+    </p:spTree>
+    <p:extLst>
+      <p:ext uri="{BB962C8B-B14F-4D97-AF65-F5344CB8AC3E}">
+        <p14:creationId xmlns:p14="http://schemas.microsoft.com/office/powerpoint/2010/main" val="134334833"/>
+      </p:ext>
+    </p:extLst>
+  </p:cSld>
+  <p:clrMapOvr>
+    <a:masterClrMapping/>
+  </p:clrMapOvr>
+</p:sld>
+</file>
+
+<file path=ppt/slides/slide6.xml><?xml version="1.0" encoding="utf-8"?>
+<p:sld xmlns:a="http://schemas.openxmlformats.org/drawingml/2006/main" xmlns:r="http://schemas.openxmlformats.org/officeDocument/2006/relationships" xmlns:p="http://schemas.openxmlformats.org/presentationml/2006/main">
+  <p:cSld>
+    <p:spTree>
+      <p:nvGrpSpPr>
+        <p:cNvPr id="1" name=""/>
+        <p:cNvGrpSpPr/>
+        <p:nvPr/>
+      </p:nvGrpSpPr>
+      <p:grpSpPr>
+        <a:xfrm>
+          <a:off x="0" y="0"/>
+          <a:ext cx="0" cy="0"/>
+          <a:chOff x="0" y="0"/>
+          <a:chExt cx="0" cy="0"/>
+        </a:xfrm>
+      </p:grpSpPr>
+      <p:sp>
+        <p:nvSpPr>
+          <p:cNvPr id="4" name="Заголовок 1"/>
+          <p:cNvSpPr>
+            <a:spLocks noGrp="1"/>
+          </p:cNvSpPr>
+          <p:nvPr>
+            <p:ph type="title"/>
+          </p:nvPr>
+        </p:nvSpPr>
+        <p:spPr>
+          <a:xfrm>
+            <a:off x="722552" y="227561"/>
+            <a:ext cx="10746897" cy="1325563"/>
+          </a:xfrm>
+        </p:spPr>
+        <p:txBody>
+          <a:bodyPr>
+            <a:normAutofit/>
+          </a:bodyPr>
+          <a:lstStyle/>
+          <a:p>
+            <a:pPr algn="ctr"/>
+            <a:r>
+              <a:rPr lang="en-US" sz="3200" dirty="0" smtClean="0"/>
+              <a:t>C</a:t>
+            </a:r>
+            <a:r>
+              <a:rPr lang="ru-RU" sz="3200" dirty="0" err="1" smtClean="0"/>
+              <a:t>ервер</a:t>
+            </a:r>
+            <a:endParaRPr lang="ru-RU" sz="3200" dirty="0"/>
+          </a:p>
+        </p:txBody>
+      </p:sp>
+      <p:sp>
+        <p:nvSpPr>
+          <p:cNvPr id="5" name="Подзаголовок 2"/>
+          <p:cNvSpPr txBox="1">
+            <a:spLocks/>
+          </p:cNvSpPr>
+          <p:nvPr/>
+        </p:nvSpPr>
+        <p:spPr>
+          <a:xfrm>
+            <a:off x="722552" y="5596152"/>
+            <a:ext cx="10630912" cy="557270"/>
+          </a:xfrm>
+          <a:prstGeom prst="rect">
+            <a:avLst/>
+          </a:prstGeom>
+        </p:spPr>
+        <p:txBody>
+          <a:bodyPr vert="horz" lIns="91440" tIns="45720" rIns="91440" bIns="45720" rtlCol="0">
+            <a:noAutofit/>
+          </a:bodyPr>
+          <a:lstStyle>
+            <a:lvl1pPr marL="228600" indent="-228600" algn="l" defTabSz="914400" rtl="0" eaLnBrk="1" latinLnBrk="0" hangingPunct="1">
+              <a:lnSpc>
+                <a:spcPct val="90000"/>
+              </a:lnSpc>
+              <a:spcBef>
+                <a:spcPts val="1000"/>
+              </a:spcBef>
+              <a:buFont typeface="Arial" panose="020B0604020202020204" pitchFamily="34" charset="0"/>
+              <a:buChar char="•"/>
+              <a:defRPr sz="2800" kern="1200">
+                <a:solidFill>
+                  <a:schemeClr val="tx1"/>
+                </a:solidFill>
+                <a:latin typeface="+mn-lt"/>
+                <a:ea typeface="+mn-ea"/>
+                <a:cs typeface="+mn-cs"/>
+              </a:defRPr>
+            </a:lvl1pPr>
+            <a:lvl2pPr marL="685800" indent="-228600" algn="l" defTabSz="914400" rtl="0" eaLnBrk="1" latinLnBrk="0" hangingPunct="1">
+              <a:lnSpc>
+                <a:spcPct val="90000"/>
+              </a:lnSpc>
+              <a:spcBef>
+                <a:spcPts val="500"/>
+              </a:spcBef>
+              <a:buFont typeface="Arial" panose="020B0604020202020204" pitchFamily="34" charset="0"/>
+              <a:buChar char="•"/>
+              <a:defRPr sz="2400" kern="1200">
+                <a:solidFill>
+                  <a:schemeClr val="tx1"/>
+                </a:solidFill>
+                <a:latin typeface="+mn-lt"/>
+                <a:ea typeface="+mn-ea"/>
+                <a:cs typeface="+mn-cs"/>
+              </a:defRPr>
+            </a:lvl2pPr>
+            <a:lvl3pPr marL="1143000" indent="-228600" algn="l" defTabSz="914400" rtl="0" eaLnBrk="1" latinLnBrk="0" hangingPunct="1">
+              <a:lnSpc>
+                <a:spcPct val="90000"/>
+              </a:lnSpc>
+              <a:spcBef>
+                <a:spcPts val="500"/>
+              </a:spcBef>
+              <a:buFont typeface="Arial" panose="020B0604020202020204" pitchFamily="34" charset="0"/>
+              <a:buChar char="•"/>
+              <a:defRPr sz="2000" kern="1200">
+                <a:solidFill>
+                  <a:schemeClr val="tx1"/>
+                </a:solidFill>
+                <a:latin typeface="+mn-lt"/>
+                <a:ea typeface="+mn-ea"/>
+                <a:cs typeface="+mn-cs"/>
+              </a:defRPr>
+            </a:lvl3pPr>
+            <a:lvl4pPr marL="1600200" indent="-228600" algn="l" defTabSz="914400" rtl="0" eaLnBrk="1" latinLnBrk="0" hangingPunct="1">
+              <a:lnSpc>
+                <a:spcPct val="90000"/>
+              </a:lnSpc>
+              <a:spcBef>
+                <a:spcPts val="500"/>
+              </a:spcBef>
+              <a:buFont typeface="Arial" panose="020B0604020202020204" pitchFamily="34" charset="0"/>
+              <a:buChar char="•"/>
+              <a:defRPr sz="1800" kern="1200">
+                <a:solidFill>
+                  <a:schemeClr val="tx1"/>
+                </a:solidFill>
+                <a:latin typeface="+mn-lt"/>
+                <a:ea typeface="+mn-ea"/>
+                <a:cs typeface="+mn-cs"/>
+              </a:defRPr>
+            </a:lvl4pPr>
+            <a:lvl5pPr marL="2057400" indent="-228600" algn="l" defTabSz="914400" rtl="0" eaLnBrk="1" latinLnBrk="0" hangingPunct="1">
+              <a:lnSpc>
+                <a:spcPct val="90000"/>
+              </a:lnSpc>
+              <a:spcBef>
+                <a:spcPts val="500"/>
+              </a:spcBef>
+              <a:buFont typeface="Arial" panose="020B0604020202020204" pitchFamily="34" charset="0"/>
+              <a:buChar char="•"/>
+              <a:defRPr sz="1800" kern="1200">
+                <a:solidFill>
+                  <a:schemeClr val="tx1"/>
+                </a:solidFill>
+                <a:latin typeface="+mn-lt"/>
+                <a:ea typeface="+mn-ea"/>
+                <a:cs typeface="+mn-cs"/>
+              </a:defRPr>
+            </a:lvl5pPr>
+            <a:lvl6pPr marL="2514600" indent="-228600" algn="l" defTabSz="914400" rtl="0" eaLnBrk="1" latinLnBrk="0" hangingPunct="1">
+              <a:lnSpc>
+                <a:spcPct val="90000"/>
+              </a:lnSpc>
+              <a:spcBef>
+                <a:spcPts val="500"/>
+              </a:spcBef>
+              <a:buFont typeface="Arial" panose="020B0604020202020204" pitchFamily="34" charset="0"/>
+              <a:buChar char="•"/>
+              <a:defRPr sz="1800" kern="1200">
+                <a:solidFill>
+                  <a:schemeClr val="tx1"/>
+                </a:solidFill>
+                <a:latin typeface="+mn-lt"/>
+                <a:ea typeface="+mn-ea"/>
+                <a:cs typeface="+mn-cs"/>
+              </a:defRPr>
+            </a:lvl6pPr>
+            <a:lvl7pPr marL="2971800" indent="-228600" algn="l" defTabSz="914400" rtl="0" eaLnBrk="1" latinLnBrk="0" hangingPunct="1">
+              <a:lnSpc>
+                <a:spcPct val="90000"/>
+              </a:lnSpc>
+              <a:spcBef>
+                <a:spcPts val="500"/>
+              </a:spcBef>
+              <a:buFont typeface="Arial" panose="020B0604020202020204" pitchFamily="34" charset="0"/>
+              <a:buChar char="•"/>
+              <a:defRPr sz="1800" kern="1200">
+                <a:solidFill>
+                  <a:schemeClr val="tx1"/>
+                </a:solidFill>
+                <a:latin typeface="+mn-lt"/>
+                <a:ea typeface="+mn-ea"/>
+                <a:cs typeface="+mn-cs"/>
+              </a:defRPr>
+            </a:lvl7pPr>
+            <a:lvl8pPr marL="3429000" indent="-228600" algn="l" defTabSz="914400" rtl="0" eaLnBrk="1" latinLnBrk="0" hangingPunct="1">
+              <a:lnSpc>
+                <a:spcPct val="90000"/>
+              </a:lnSpc>
+              <a:spcBef>
+                <a:spcPts val="500"/>
+              </a:spcBef>
+              <a:buFont typeface="Arial" panose="020B0604020202020204" pitchFamily="34" charset="0"/>
+              <a:buChar char="•"/>
+              <a:defRPr sz="1800" kern="1200">
+                <a:solidFill>
+                  <a:schemeClr val="tx1"/>
+                </a:solidFill>
+                <a:latin typeface="+mn-lt"/>
+                <a:ea typeface="+mn-ea"/>
+                <a:cs typeface="+mn-cs"/>
+              </a:defRPr>
+            </a:lvl8pPr>
+            <a:lvl9pPr marL="3886200" indent="-228600" algn="l" defTabSz="914400" rtl="0" eaLnBrk="1" latinLnBrk="0" hangingPunct="1">
+              <a:lnSpc>
+                <a:spcPct val="90000"/>
+              </a:lnSpc>
+              <a:spcBef>
+                <a:spcPts val="500"/>
+              </a:spcBef>
+              <a:buFont typeface="Arial" panose="020B0604020202020204" pitchFamily="34" charset="0"/>
+              <a:buChar char="•"/>
+              <a:defRPr sz="1800" kern="1200">
+                <a:solidFill>
+                  <a:schemeClr val="tx1"/>
+                </a:solidFill>
+                <a:latin typeface="+mn-lt"/>
+                <a:ea typeface="+mn-ea"/>
+                <a:cs typeface="+mn-cs"/>
+              </a:defRPr>
+            </a:lvl9pPr>
+          </a:lstStyle>
+          <a:p>
+            <a:pPr marL="0" indent="0" algn="ctr">
+              <a:lnSpc>
+                <a:spcPct val="150000"/>
+              </a:lnSpc>
+              <a:buNone/>
+            </a:pPr>
+            <a:r>
+              <a:rPr lang="ru-RU" sz="2100" dirty="0" smtClean="0"/>
+              <a:t>Конфигурация сервера хранится на отдельном файле. Файл расширения «</a:t>
+            </a:r>
+            <a:r>
+              <a:rPr lang="en-US" sz="2100" dirty="0" smtClean="0"/>
+              <a:t>.</a:t>
+            </a:r>
+            <a:r>
+              <a:rPr lang="en-US" sz="2100" dirty="0" err="1" smtClean="0"/>
+              <a:t>json</a:t>
+            </a:r>
+            <a:r>
+              <a:rPr lang="ru-RU" sz="2100" dirty="0" smtClean="0"/>
+              <a:t>».</a:t>
+            </a:r>
+            <a:endParaRPr lang="ru-RU" sz="2100" dirty="0"/>
+          </a:p>
+        </p:txBody>
+      </p:sp>
+      <p:pic>
+        <p:nvPicPr>
+          <p:cNvPr id="6" name="Рисунок 5"/>
+          <p:cNvPicPr>
+            <a:picLocks noChangeAspect="1"/>
+          </p:cNvPicPr>
+          <p:nvPr/>
+        </p:nvPicPr>
+        <p:blipFill>
+          <a:blip r:embed="rId2"/>
+          <a:stretch>
+            <a:fillRect/>
+          </a:stretch>
+        </p:blipFill>
+        <p:spPr>
+          <a:xfrm>
+            <a:off x="1507480" y="1885906"/>
+            <a:ext cx="3676650" cy="2790825"/>
+          </a:xfrm>
+          <a:prstGeom prst="rect">
+            <a:avLst/>
+          </a:prstGeom>
         </p:spPr>
       </p:pic>
       <p:pic>
@@ -3817,63 +4516,25 @@
           <p:nvPr/>
         </p:nvPicPr>
         <p:blipFill>
-          <a:blip r:embed="rId4"/>
+          <a:blip r:embed="rId3"/>
           <a:stretch>
             <a:fillRect/>
           </a:stretch>
         </p:blipFill>
         <p:spPr>
           <a:xfrm>
-            <a:off x="6318783" y="2744729"/>
-            <a:ext cx="4762500" cy="1470263"/>
+            <a:off x="7145268" y="1885906"/>
+            <a:ext cx="3477370" cy="2787256"/>
           </a:xfrm>
           <a:prstGeom prst="rect">
             <a:avLst/>
           </a:prstGeom>
-          <a:ln>
-            <a:solidFill>
-              <a:schemeClr val="bg1">
-                <a:lumMod val="85000"/>
-              </a:schemeClr>
-            </a:solidFill>
-          </a:ln>
-        </p:spPr>
-      </p:pic>
-      <p:pic>
-        <p:nvPicPr>
-          <p:cNvPr id="8" name="Рисунок 7"/>
-          <p:cNvPicPr>
-            <a:picLocks noChangeAspect="1"/>
-          </p:cNvPicPr>
-          <p:nvPr/>
-        </p:nvPicPr>
-        <p:blipFill>
-          <a:blip r:embed="rId5"/>
-          <a:stretch>
-            <a:fillRect/>
-          </a:stretch>
-        </p:blipFill>
-        <p:spPr>
-          <a:xfrm>
-            <a:off x="5656796" y="4857901"/>
-            <a:ext cx="5424488" cy="814947"/>
-          </a:xfrm>
-          <a:prstGeom prst="rect">
-            <a:avLst/>
-          </a:prstGeom>
-          <a:ln>
-            <a:solidFill>
-              <a:schemeClr val="bg1">
-                <a:lumMod val="85000"/>
-              </a:schemeClr>
-            </a:solidFill>
-          </a:ln>
         </p:spPr>
       </p:pic>
     </p:spTree>
     <p:extLst>
       <p:ext uri="{BB962C8B-B14F-4D97-AF65-F5344CB8AC3E}">
-        <p14:creationId xmlns:p14="http://schemas.microsoft.com/office/powerpoint/2010/main" val="1718972829"/>
+        <p14:creationId xmlns:p14="http://schemas.microsoft.com/office/powerpoint/2010/main" val="2977159498"/>
       </p:ext>
     </p:extLst>
   </p:cSld>
@@ -3890,7 +4551,7 @@
 </p:sld>
 </file>
 
-<file path=ppt/slides/slide6.xml><?xml version="1.0" encoding="utf-8"?>
+<file path=ppt/slides/slide7.xml><?xml version="1.0" encoding="utf-8"?>
 <p:sld xmlns:a="http://schemas.openxmlformats.org/drawingml/2006/main" xmlns:r="http://schemas.openxmlformats.org/officeDocument/2006/relationships" xmlns:p="http://schemas.openxmlformats.org/presentationml/2006/main">
   <p:cSld>
     <p:spTree>
@@ -3997,7 +4658,7 @@
 </p:sld>
 </file>
 
-<file path=ppt/slides/slide7.xml><?xml version="1.0" encoding="utf-8"?>
+<file path=ppt/slides/slide8.xml><?xml version="1.0" encoding="utf-8"?>
 <p:sld xmlns:a="http://schemas.openxmlformats.org/drawingml/2006/main" xmlns:r="http://schemas.openxmlformats.org/officeDocument/2006/relationships" xmlns:p="http://schemas.openxmlformats.org/presentationml/2006/main">
   <p:cSld>
     <p:spTree>
@@ -4093,114 +4754,6 @@
     <p:extLst>
       <p:ext uri="{BB962C8B-B14F-4D97-AF65-F5344CB8AC3E}">
         <p14:creationId xmlns:p14="http://schemas.microsoft.com/office/powerpoint/2010/main" val="785992413"/>
-      </p:ext>
-    </p:extLst>
-  </p:cSld>
-  <p:clrMapOvr>
-    <a:masterClrMapping/>
-  </p:clrMapOvr>
-  <p:timing>
-    <p:tnLst>
-      <p:par>
-        <p:cTn id="1" dur="indefinite" restart="never" nodeType="tmRoot"/>
-      </p:par>
-    </p:tnLst>
-  </p:timing>
-</p:sld>
-</file>
-
-<file path=ppt/slides/slide8.xml><?xml version="1.0" encoding="utf-8"?>
-<p:sld xmlns:a="http://schemas.openxmlformats.org/drawingml/2006/main" xmlns:r="http://schemas.openxmlformats.org/officeDocument/2006/relationships" xmlns:p="http://schemas.openxmlformats.org/presentationml/2006/main">
-  <p:cSld>
-    <p:spTree>
-      <p:nvGrpSpPr>
-        <p:cNvPr id="1" name=""/>
-        <p:cNvGrpSpPr/>
-        <p:nvPr/>
-      </p:nvGrpSpPr>
-      <p:grpSpPr>
-        <a:xfrm>
-          <a:off x="0" y="0"/>
-          <a:ext cx="0" cy="0"/>
-          <a:chOff x="0" y="0"/>
-          <a:chExt cx="0" cy="0"/>
-        </a:xfrm>
-      </p:grpSpPr>
-      <p:sp>
-        <p:nvSpPr>
-          <p:cNvPr id="2" name="Заголовок 1"/>
-          <p:cNvSpPr>
-            <a:spLocks noGrp="1"/>
-          </p:cNvSpPr>
-          <p:nvPr>
-            <p:ph type="title"/>
-          </p:nvPr>
-        </p:nvSpPr>
-        <p:spPr>
-          <a:xfrm>
-            <a:off x="838200" y="41813"/>
-            <a:ext cx="10515600" cy="1325563"/>
-          </a:xfrm>
-        </p:spPr>
-        <p:txBody>
-          <a:bodyPr>
-            <a:normAutofit/>
-          </a:bodyPr>
-          <a:lstStyle/>
-          <a:p>
-            <a:pPr algn="ctr"/>
-            <a:r>
-              <a:rPr lang="en-US" sz="3600" dirty="0" smtClean="0"/>
-              <a:t>UML </a:t>
-            </a:r>
-            <a:r>
-              <a:rPr lang="ru-RU" sz="3600" dirty="0" smtClean="0"/>
-              <a:t>диаграмма классов сообщений</a:t>
-            </a:r>
-            <a:endParaRPr lang="ru-RU" sz="3600" dirty="0"/>
-          </a:p>
-        </p:txBody>
-      </p:sp>
-      <p:pic>
-        <p:nvPicPr>
-          <p:cNvPr id="4" name="Объект 3"/>
-          <p:cNvPicPr>
-            <a:picLocks noGrp="1" noChangeAspect="1"/>
-          </p:cNvPicPr>
-          <p:nvPr>
-            <p:ph idx="1"/>
-          </p:nvPr>
-        </p:nvPicPr>
-        <p:blipFill>
-          <a:blip r:embed="rId2">
-            <a:extLst>
-              <a:ext uri="{28A0092B-C50C-407E-A947-70E740481C1C}">
-                <a14:useLocalDpi xmlns:a14="http://schemas.microsoft.com/office/drawing/2010/main" val="0"/>
-              </a:ext>
-            </a:extLst>
-          </a:blip>
-          <a:stretch>
-            <a:fillRect/>
-          </a:stretch>
-        </p:blipFill>
-        <p:spPr>
-          <a:xfrm>
-            <a:off x="3223329" y="1062677"/>
-            <a:ext cx="5745341" cy="5491871"/>
-          </a:xfrm>
-          <a:ln>
-            <a:solidFill>
-              <a:schemeClr val="bg1">
-                <a:lumMod val="85000"/>
-              </a:schemeClr>
-            </a:solidFill>
-          </a:ln>
-        </p:spPr>
-      </p:pic>
-    </p:spTree>
-    <p:extLst>
-      <p:ext uri="{BB962C8B-B14F-4D97-AF65-F5344CB8AC3E}">
-        <p14:creationId xmlns:p14="http://schemas.microsoft.com/office/powerpoint/2010/main" val="2090060507"/>
       </p:ext>
     </p:extLst>
   </p:cSld>
@@ -4237,60 +4790,56 @@
       <p:sp>
         <p:nvSpPr>
           <p:cNvPr id="4" name="Заголовок 1"/>
-          <p:cNvSpPr>
-            <a:spLocks noGrp="1"/>
-          </p:cNvSpPr>
-          <p:nvPr>
-            <p:ph type="title"/>
-          </p:nvPr>
+          <p:cNvSpPr txBox="1">
+            <a:spLocks/>
+          </p:cNvSpPr>
+          <p:nvPr/>
         </p:nvSpPr>
         <p:spPr>
           <a:xfrm>
-            <a:off x="838200" y="41814"/>
-            <a:ext cx="10515600" cy="597458"/>
+            <a:off x="838200" y="500062"/>
+            <a:ext cx="10515600" cy="1325563"/>
           </a:xfrm>
+          <a:prstGeom prst="rect">
+            <a:avLst/>
+          </a:prstGeom>
         </p:spPr>
         <p:txBody>
-          <a:bodyPr>
+          <a:bodyPr vert="horz" lIns="91440" tIns="45720" rIns="91440" bIns="45720" rtlCol="0" anchor="ctr">
             <a:normAutofit/>
           </a:bodyPr>
-          <a:lstStyle/>
+          <a:lstStyle>
+            <a:lvl1pPr algn="l" defTabSz="914400" rtl="0" eaLnBrk="1" latinLnBrk="0" hangingPunct="1">
+              <a:lnSpc>
+                <a:spcPct val="90000"/>
+              </a:lnSpc>
+              <a:spcBef>
+                <a:spcPct val="0"/>
+              </a:spcBef>
+              <a:buNone/>
+              <a:defRPr sz="4400" kern="1200">
+                <a:solidFill>
+                  <a:schemeClr val="tx1"/>
+                </a:solidFill>
+                <a:latin typeface="+mj-lt"/>
+                <a:ea typeface="+mj-ea"/>
+                <a:cs typeface="+mj-cs"/>
+              </a:defRPr>
+            </a:lvl1pPr>
+          </a:lstStyle>
           <a:p>
             <a:pPr algn="ctr"/>
             <a:r>
-              <a:rPr lang="en-US" sz="2800" dirty="0" smtClean="0"/>
-              <a:t>UML </a:t>
-            </a:r>
-            <a:r>
-              <a:rPr lang="ru-RU" sz="2800" dirty="0" smtClean="0"/>
-              <a:t>диаграмма классов сообщений</a:t>
-            </a:r>
-            <a:endParaRPr lang="ru-RU" sz="2800" dirty="0"/>
-          </a:p>
-        </p:txBody>
-      </p:sp>
-      <p:sp>
-        <p:nvSpPr>
-          <p:cNvPr id="11" name="Объект 10"/>
-          <p:cNvSpPr>
-            <a:spLocks noGrp="1"/>
-          </p:cNvSpPr>
-          <p:nvPr>
-            <p:ph idx="1"/>
-          </p:nvPr>
-        </p:nvSpPr>
-        <p:spPr/>
-        <p:txBody>
-          <a:bodyPr/>
-          <a:lstStyle/>
-          <a:p>
-            <a:endParaRPr lang="ru-RU"/>
+              <a:rPr lang="ru-RU" sz="3600" dirty="0" smtClean="0"/>
+              <a:t>Структура базы данных</a:t>
+            </a:r>
+            <a:endParaRPr lang="ru-RU" sz="3600" dirty="0"/>
           </a:p>
         </p:txBody>
       </p:sp>
       <p:pic>
         <p:nvPicPr>
-          <p:cNvPr id="12" name="Рисунок 11"/>
+          <p:cNvPr id="6" name="Рисунок 5"/>
           <p:cNvPicPr>
             <a:picLocks noChangeAspect="1"/>
           </p:cNvPicPr>
@@ -4310,8 +4859,8 @@
         </p:blipFill>
         <p:spPr>
           <a:xfrm>
-            <a:off x="1938386" y="632882"/>
-            <a:ext cx="8315228" cy="6002587"/>
+            <a:off x="3624262" y="2109787"/>
+            <a:ext cx="4943475" cy="2638425"/>
           </a:xfrm>
           <a:prstGeom prst="rect">
             <a:avLst/>
@@ -4325,10 +4874,238 @@
           </a:ln>
         </p:spPr>
       </p:pic>
+      <p:sp>
+        <p:nvSpPr>
+          <p:cNvPr id="7" name="Подзаголовок 2"/>
+          <p:cNvSpPr txBox="1">
+            <a:spLocks/>
+          </p:cNvSpPr>
+          <p:nvPr/>
+        </p:nvSpPr>
+        <p:spPr>
+          <a:xfrm>
+            <a:off x="722888" y="5032374"/>
+            <a:ext cx="10630912" cy="557270"/>
+          </a:xfrm>
+          <a:prstGeom prst="rect">
+            <a:avLst/>
+          </a:prstGeom>
+        </p:spPr>
+        <p:txBody>
+          <a:bodyPr vert="horz" lIns="91440" tIns="45720" rIns="91440" bIns="45720" rtlCol="0">
+            <a:noAutofit/>
+          </a:bodyPr>
+          <a:lstStyle>
+            <a:lvl1pPr marL="228600" indent="-228600" algn="l" defTabSz="914400" rtl="0" eaLnBrk="1" latinLnBrk="0" hangingPunct="1">
+              <a:lnSpc>
+                <a:spcPct val="90000"/>
+              </a:lnSpc>
+              <a:spcBef>
+                <a:spcPts val="1000"/>
+              </a:spcBef>
+              <a:buFont typeface="Arial" panose="020B0604020202020204" pitchFamily="34" charset="0"/>
+              <a:buChar char="•"/>
+              <a:defRPr sz="2800" kern="1200">
+                <a:solidFill>
+                  <a:schemeClr val="tx1"/>
+                </a:solidFill>
+                <a:latin typeface="+mn-lt"/>
+                <a:ea typeface="+mn-ea"/>
+                <a:cs typeface="+mn-cs"/>
+              </a:defRPr>
+            </a:lvl1pPr>
+            <a:lvl2pPr marL="685800" indent="-228600" algn="l" defTabSz="914400" rtl="0" eaLnBrk="1" latinLnBrk="0" hangingPunct="1">
+              <a:lnSpc>
+                <a:spcPct val="90000"/>
+              </a:lnSpc>
+              <a:spcBef>
+                <a:spcPts val="500"/>
+              </a:spcBef>
+              <a:buFont typeface="Arial" panose="020B0604020202020204" pitchFamily="34" charset="0"/>
+              <a:buChar char="•"/>
+              <a:defRPr sz="2400" kern="1200">
+                <a:solidFill>
+                  <a:schemeClr val="tx1"/>
+                </a:solidFill>
+                <a:latin typeface="+mn-lt"/>
+                <a:ea typeface="+mn-ea"/>
+                <a:cs typeface="+mn-cs"/>
+              </a:defRPr>
+            </a:lvl2pPr>
+            <a:lvl3pPr marL="1143000" indent="-228600" algn="l" defTabSz="914400" rtl="0" eaLnBrk="1" latinLnBrk="0" hangingPunct="1">
+              <a:lnSpc>
+                <a:spcPct val="90000"/>
+              </a:lnSpc>
+              <a:spcBef>
+                <a:spcPts val="500"/>
+              </a:spcBef>
+              <a:buFont typeface="Arial" panose="020B0604020202020204" pitchFamily="34" charset="0"/>
+              <a:buChar char="•"/>
+              <a:defRPr sz="2000" kern="1200">
+                <a:solidFill>
+                  <a:schemeClr val="tx1"/>
+                </a:solidFill>
+                <a:latin typeface="+mn-lt"/>
+                <a:ea typeface="+mn-ea"/>
+                <a:cs typeface="+mn-cs"/>
+              </a:defRPr>
+            </a:lvl3pPr>
+            <a:lvl4pPr marL="1600200" indent="-228600" algn="l" defTabSz="914400" rtl="0" eaLnBrk="1" latinLnBrk="0" hangingPunct="1">
+              <a:lnSpc>
+                <a:spcPct val="90000"/>
+              </a:lnSpc>
+              <a:spcBef>
+                <a:spcPts val="500"/>
+              </a:spcBef>
+              <a:buFont typeface="Arial" panose="020B0604020202020204" pitchFamily="34" charset="0"/>
+              <a:buChar char="•"/>
+              <a:defRPr sz="1800" kern="1200">
+                <a:solidFill>
+                  <a:schemeClr val="tx1"/>
+                </a:solidFill>
+                <a:latin typeface="+mn-lt"/>
+                <a:ea typeface="+mn-ea"/>
+                <a:cs typeface="+mn-cs"/>
+              </a:defRPr>
+            </a:lvl4pPr>
+            <a:lvl5pPr marL="2057400" indent="-228600" algn="l" defTabSz="914400" rtl="0" eaLnBrk="1" latinLnBrk="0" hangingPunct="1">
+              <a:lnSpc>
+                <a:spcPct val="90000"/>
+              </a:lnSpc>
+              <a:spcBef>
+                <a:spcPts val="500"/>
+              </a:spcBef>
+              <a:buFont typeface="Arial" panose="020B0604020202020204" pitchFamily="34" charset="0"/>
+              <a:buChar char="•"/>
+              <a:defRPr sz="1800" kern="1200">
+                <a:solidFill>
+                  <a:schemeClr val="tx1"/>
+                </a:solidFill>
+                <a:latin typeface="+mn-lt"/>
+                <a:ea typeface="+mn-ea"/>
+                <a:cs typeface="+mn-cs"/>
+              </a:defRPr>
+            </a:lvl5pPr>
+            <a:lvl6pPr marL="2514600" indent="-228600" algn="l" defTabSz="914400" rtl="0" eaLnBrk="1" latinLnBrk="0" hangingPunct="1">
+              <a:lnSpc>
+                <a:spcPct val="90000"/>
+              </a:lnSpc>
+              <a:spcBef>
+                <a:spcPts val="500"/>
+              </a:spcBef>
+              <a:buFont typeface="Arial" panose="020B0604020202020204" pitchFamily="34" charset="0"/>
+              <a:buChar char="•"/>
+              <a:defRPr sz="1800" kern="1200">
+                <a:solidFill>
+                  <a:schemeClr val="tx1"/>
+                </a:solidFill>
+                <a:latin typeface="+mn-lt"/>
+                <a:ea typeface="+mn-ea"/>
+                <a:cs typeface="+mn-cs"/>
+              </a:defRPr>
+            </a:lvl6pPr>
+            <a:lvl7pPr marL="2971800" indent="-228600" algn="l" defTabSz="914400" rtl="0" eaLnBrk="1" latinLnBrk="0" hangingPunct="1">
+              <a:lnSpc>
+                <a:spcPct val="90000"/>
+              </a:lnSpc>
+              <a:spcBef>
+                <a:spcPts val="500"/>
+              </a:spcBef>
+              <a:buFont typeface="Arial" panose="020B0604020202020204" pitchFamily="34" charset="0"/>
+              <a:buChar char="•"/>
+              <a:defRPr sz="1800" kern="1200">
+                <a:solidFill>
+                  <a:schemeClr val="tx1"/>
+                </a:solidFill>
+                <a:latin typeface="+mn-lt"/>
+                <a:ea typeface="+mn-ea"/>
+                <a:cs typeface="+mn-cs"/>
+              </a:defRPr>
+            </a:lvl7pPr>
+            <a:lvl8pPr marL="3429000" indent="-228600" algn="l" defTabSz="914400" rtl="0" eaLnBrk="1" latinLnBrk="0" hangingPunct="1">
+              <a:lnSpc>
+                <a:spcPct val="90000"/>
+              </a:lnSpc>
+              <a:spcBef>
+                <a:spcPts val="500"/>
+              </a:spcBef>
+              <a:buFont typeface="Arial" panose="020B0604020202020204" pitchFamily="34" charset="0"/>
+              <a:buChar char="•"/>
+              <a:defRPr sz="1800" kern="1200">
+                <a:solidFill>
+                  <a:schemeClr val="tx1"/>
+                </a:solidFill>
+                <a:latin typeface="+mn-lt"/>
+                <a:ea typeface="+mn-ea"/>
+                <a:cs typeface="+mn-cs"/>
+              </a:defRPr>
+            </a:lvl8pPr>
+            <a:lvl9pPr marL="3886200" indent="-228600" algn="l" defTabSz="914400" rtl="0" eaLnBrk="1" latinLnBrk="0" hangingPunct="1">
+              <a:lnSpc>
+                <a:spcPct val="90000"/>
+              </a:lnSpc>
+              <a:spcBef>
+                <a:spcPts val="500"/>
+              </a:spcBef>
+              <a:buFont typeface="Arial" panose="020B0604020202020204" pitchFamily="34" charset="0"/>
+              <a:buChar char="•"/>
+              <a:defRPr sz="1800" kern="1200">
+                <a:solidFill>
+                  <a:schemeClr val="tx1"/>
+                </a:solidFill>
+                <a:latin typeface="+mn-lt"/>
+                <a:ea typeface="+mn-ea"/>
+                <a:cs typeface="+mn-cs"/>
+              </a:defRPr>
+            </a:lvl9pPr>
+          </a:lstStyle>
+          <a:p>
+            <a:pPr marL="0" indent="0" algn="ctr">
+              <a:lnSpc>
+                <a:spcPct val="150000"/>
+              </a:lnSpc>
+              <a:buNone/>
+            </a:pPr>
+            <a:r>
+              <a:rPr lang="ru-RU" sz="2100" dirty="0" smtClean="0"/>
+              <a:t>Реализовано на сервере </a:t>
+            </a:r>
+            <a:r>
+              <a:rPr lang="ru-RU" sz="2100" dirty="0" smtClean="0"/>
+              <a:t>с помощью «</a:t>
+            </a:r>
+            <a:r>
+              <a:rPr lang="en-US" sz="2100" dirty="0" smtClean="0"/>
+              <a:t>Entity Framework</a:t>
+            </a:r>
+            <a:r>
+              <a:rPr lang="ru-RU" sz="2100" dirty="0" smtClean="0"/>
+              <a:t>» </a:t>
+            </a:r>
+            <a:r>
+              <a:rPr lang="ru-RU" sz="2100" dirty="0" smtClean="0"/>
+              <a:t>и </a:t>
+            </a:r>
+            <a:r>
+              <a:rPr lang="ru-RU" sz="2100" dirty="0" smtClean="0"/>
+              <a:t>паттерна «</a:t>
+            </a:r>
+            <a:r>
+              <a:rPr lang="ru-RU" sz="2100" dirty="0" err="1" smtClean="0"/>
+              <a:t>Репозиторий</a:t>
+            </a:r>
+            <a:r>
+              <a:rPr lang="ru-RU" sz="2100" dirty="0" smtClean="0"/>
+              <a:t>».</a:t>
+            </a:r>
+            <a:endParaRPr lang="ru-RU" sz="2100" dirty="0"/>
+          </a:p>
+        </p:txBody>
+      </p:sp>
     </p:spTree>
     <p:extLst>
       <p:ext uri="{BB962C8B-B14F-4D97-AF65-F5344CB8AC3E}">
-        <p14:creationId xmlns:p14="http://schemas.microsoft.com/office/powerpoint/2010/main" val="3549196600"/>
+        <p14:creationId xmlns:p14="http://schemas.microsoft.com/office/powerpoint/2010/main" val="1632439932"/>
       </p:ext>
     </p:extLst>
   </p:cSld>
